--- a/RawFigures/3-2-AOTFConfigurations.pptx
+++ b/RawFigures/3-2-AOTFConfigurations.pptx
@@ -304,7 +304,7 @@
           <a:p>
             <a:fld id="{B033C8DD-9AB1-4F04-B1BD-7AAB3A71C60C}" type="datetimeFigureOut">
               <a:rPr lang="en-CA" smtClean="0"/>
-              <a:t>10/09/2015</a:t>
+              <a:t>21/10/2015</a:t>
             </a:fld>
             <a:endParaRPr lang="en-CA"/>
           </a:p>
@@ -474,7 +474,7 @@
           <a:p>
             <a:fld id="{B033C8DD-9AB1-4F04-B1BD-7AAB3A71C60C}" type="datetimeFigureOut">
               <a:rPr lang="en-CA" smtClean="0"/>
-              <a:t>10/09/2015</a:t>
+              <a:t>21/10/2015</a:t>
             </a:fld>
             <a:endParaRPr lang="en-CA"/>
           </a:p>
@@ -654,7 +654,7 @@
           <a:p>
             <a:fld id="{B033C8DD-9AB1-4F04-B1BD-7AAB3A71C60C}" type="datetimeFigureOut">
               <a:rPr lang="en-CA" smtClean="0"/>
-              <a:t>10/09/2015</a:t>
+              <a:t>21/10/2015</a:t>
             </a:fld>
             <a:endParaRPr lang="en-CA"/>
           </a:p>
@@ -824,7 +824,7 @@
           <a:p>
             <a:fld id="{B033C8DD-9AB1-4F04-B1BD-7AAB3A71C60C}" type="datetimeFigureOut">
               <a:rPr lang="en-CA" smtClean="0"/>
-              <a:t>10/09/2015</a:t>
+              <a:t>21/10/2015</a:t>
             </a:fld>
             <a:endParaRPr lang="en-CA"/>
           </a:p>
@@ -1070,7 +1070,7 @@
           <a:p>
             <a:fld id="{B033C8DD-9AB1-4F04-B1BD-7AAB3A71C60C}" type="datetimeFigureOut">
               <a:rPr lang="en-CA" smtClean="0"/>
-              <a:t>10/09/2015</a:t>
+              <a:t>21/10/2015</a:t>
             </a:fld>
             <a:endParaRPr lang="en-CA"/>
           </a:p>
@@ -1358,7 +1358,7 @@
           <a:p>
             <a:fld id="{B033C8DD-9AB1-4F04-B1BD-7AAB3A71C60C}" type="datetimeFigureOut">
               <a:rPr lang="en-CA" smtClean="0"/>
-              <a:t>10/09/2015</a:t>
+              <a:t>21/10/2015</a:t>
             </a:fld>
             <a:endParaRPr lang="en-CA"/>
           </a:p>
@@ -1785,7 +1785,7 @@
           <a:p>
             <a:fld id="{B033C8DD-9AB1-4F04-B1BD-7AAB3A71C60C}" type="datetimeFigureOut">
               <a:rPr lang="en-CA" smtClean="0"/>
-              <a:t>10/09/2015</a:t>
+              <a:t>21/10/2015</a:t>
             </a:fld>
             <a:endParaRPr lang="en-CA"/>
           </a:p>
@@ -1903,7 +1903,7 @@
           <a:p>
             <a:fld id="{B033C8DD-9AB1-4F04-B1BD-7AAB3A71C60C}" type="datetimeFigureOut">
               <a:rPr lang="en-CA" smtClean="0"/>
-              <a:t>10/09/2015</a:t>
+              <a:t>21/10/2015</a:t>
             </a:fld>
             <a:endParaRPr lang="en-CA"/>
           </a:p>
@@ -1998,7 +1998,7 @@
           <a:p>
             <a:fld id="{B033C8DD-9AB1-4F04-B1BD-7AAB3A71C60C}" type="datetimeFigureOut">
               <a:rPr lang="en-CA" smtClean="0"/>
-              <a:t>10/09/2015</a:t>
+              <a:t>21/10/2015</a:t>
             </a:fld>
             <a:endParaRPr lang="en-CA"/>
           </a:p>
@@ -2275,7 +2275,7 @@
           <a:p>
             <a:fld id="{B033C8DD-9AB1-4F04-B1BD-7AAB3A71C60C}" type="datetimeFigureOut">
               <a:rPr lang="en-CA" smtClean="0"/>
-              <a:t>10/09/2015</a:t>
+              <a:t>21/10/2015</a:t>
             </a:fld>
             <a:endParaRPr lang="en-CA"/>
           </a:p>
@@ -2528,7 +2528,7 @@
           <a:p>
             <a:fld id="{B033C8DD-9AB1-4F04-B1BD-7AAB3A71C60C}" type="datetimeFigureOut">
               <a:rPr lang="en-CA" smtClean="0"/>
-              <a:t>10/09/2015</a:t>
+              <a:t>21/10/2015</a:t>
             </a:fld>
             <a:endParaRPr lang="en-CA"/>
           </a:p>
@@ -2741,7 +2741,7 @@
           <a:p>
             <a:fld id="{B033C8DD-9AB1-4F04-B1BD-7AAB3A71C60C}" type="datetimeFigureOut">
               <a:rPr lang="en-CA" smtClean="0"/>
-              <a:t>10/09/2015</a:t>
+              <a:t>21/10/2015</a:t>
             </a:fld>
             <a:endParaRPr lang="en-CA"/>
           </a:p>
@@ -3307,7 +3307,6 @@
               <a:rPr lang="en-CA" dirty="0"/>
               <a:t>Standing RF Wave</a:t>
             </a:r>
-            <a:endParaRPr lang="en-CA" dirty="0"/>
           </a:p>
         </p:txBody>
       </p:sp>
@@ -3337,7 +3336,6 @@
               <a:rPr lang="en-CA" dirty="0"/>
               <a:t>First Order (o)</a:t>
             </a:r>
-            <a:endParaRPr lang="en-CA" dirty="0"/>
           </a:p>
         </p:txBody>
       </p:sp>
@@ -3367,7 +3365,6 @@
               <a:rPr lang="en-CA" dirty="0"/>
               <a:t>Zeroth Order (o)</a:t>
             </a:r>
-            <a:endParaRPr lang="en-CA" dirty="0"/>
           </a:p>
         </p:txBody>
       </p:sp>
@@ -3397,7 +3394,6 @@
               <a:rPr lang="en-CA" dirty="0"/>
               <a:t>Zeroth Order (e)</a:t>
             </a:r>
-            <a:endParaRPr lang="en-CA" dirty="0"/>
           </a:p>
         </p:txBody>
       </p:sp>
@@ -3427,7 +3423,6 @@
               <a:rPr lang="en-CA" dirty="0"/>
               <a:t>First Order (e)</a:t>
             </a:r>
-            <a:endParaRPr lang="en-CA" dirty="0"/>
           </a:p>
         </p:txBody>
       </p:sp>
@@ -3988,7 +3983,6 @@
               <a:rPr lang="en-CA" dirty="0"/>
               <a:t>Standing RF Wave</a:t>
             </a:r>
-            <a:endParaRPr lang="en-CA" dirty="0"/>
           </a:p>
         </p:txBody>
       </p:sp>
@@ -4018,7 +4012,6 @@
               <a:rPr lang="en-CA" dirty="0"/>
               <a:t>First Order (o)</a:t>
             </a:r>
-            <a:endParaRPr lang="en-CA" dirty="0"/>
           </a:p>
         </p:txBody>
       </p:sp>
@@ -4048,7 +4041,6 @@
               <a:rPr lang="en-CA" dirty="0"/>
               <a:t>Zeroth Order (o)</a:t>
             </a:r>
-            <a:endParaRPr lang="en-CA" dirty="0"/>
           </a:p>
         </p:txBody>
       </p:sp>
@@ -4078,7 +4070,6 @@
               <a:rPr lang="en-CA" dirty="0"/>
               <a:t>Zeroth Order (e)</a:t>
             </a:r>
-            <a:endParaRPr lang="en-CA" dirty="0"/>
           </a:p>
         </p:txBody>
       </p:sp>
@@ -4108,7 +4099,6 @@
               <a:rPr lang="en-CA" dirty="0"/>
               <a:t>First Order (e)</a:t>
             </a:r>
-            <a:endParaRPr lang="en-CA" dirty="0"/>
           </a:p>
         </p:txBody>
       </p:sp>
@@ -4339,8 +4329,9 @@
           <a:prstGeom prst="line">
             <a:avLst/>
           </a:prstGeom>
-          <a:ln>
+          <a:ln w="12700" cap="rnd">
             <a:prstDash val="sysDot"/>
+            <a:miter lim="800000"/>
           </a:ln>
         </p:spPr>
         <p:style>
@@ -4374,11 +4365,12 @@
           <a:prstGeom prst="line">
             <a:avLst/>
           </a:prstGeom>
-          <a:ln>
+          <a:ln w="12700" cap="rnd">
             <a:solidFill>
               <a:schemeClr val="tx1"/>
             </a:solidFill>
             <a:prstDash val="sysDot"/>
+            <a:miter lim="800000"/>
           </a:ln>
         </p:spPr>
         <p:style>
@@ -4410,8 +4402,9 @@
           <a:prstGeom prst="line">
             <a:avLst/>
           </a:prstGeom>
-          <a:ln>
-            <a:prstDash val="sysDash"/>
+          <a:ln w="12700" cap="rnd">
+            <a:prstDash val="sysDot"/>
+            <a:miter lim="800000"/>
           </a:ln>
         </p:spPr>
         <p:style>
@@ -4443,8 +4436,9 @@
           <a:prstGeom prst="straightConnector1">
             <a:avLst/>
           </a:prstGeom>
-          <a:ln>
+          <a:ln w="12700" cap="rnd">
             <a:prstDash val="sysDot"/>
+            <a:miter lim="800000"/>
             <a:tailEnd type="triangle"/>
           </a:ln>
         </p:spPr>
@@ -4477,11 +4471,12 @@
           <a:prstGeom prst="line">
             <a:avLst/>
           </a:prstGeom>
-          <a:ln>
+          <a:ln w="12700" cap="rnd">
             <a:solidFill>
               <a:schemeClr val="tx1"/>
             </a:solidFill>
             <a:prstDash val="sysDot"/>
+            <a:miter lim="800000"/>
             <a:headEnd type="none" w="med" len="med"/>
             <a:tailEnd type="triangle" w="med" len="med"/>
           </a:ln>
@@ -4642,7 +4637,6 @@
               <a:rPr lang="en-CA" dirty="0"/>
               <a:t>RF Wave</a:t>
             </a:r>
-            <a:endParaRPr lang="en-CA" dirty="0"/>
           </a:p>
         </p:txBody>
       </p:sp>
@@ -4672,7 +4666,6 @@
               <a:rPr lang="en-CA" dirty="0"/>
               <a:t>Zeroth Order (o)</a:t>
             </a:r>
-            <a:endParaRPr lang="en-CA" dirty="0"/>
           </a:p>
         </p:txBody>
       </p:sp>
@@ -4702,7 +4695,6 @@
               <a:rPr lang="en-CA" dirty="0"/>
               <a:t>Zeroth Order (e)</a:t>
             </a:r>
-            <a:endParaRPr lang="en-CA" dirty="0"/>
           </a:p>
         </p:txBody>
       </p:sp>
@@ -4868,7 +4860,7 @@
           <a:prstGeom prst="line">
             <a:avLst/>
           </a:prstGeom>
-          <a:ln>
+          <a:ln w="12700" cap="rnd">
             <a:solidFill>
               <a:schemeClr val="tx1"/>
             </a:solidFill>
@@ -4904,7 +4896,7 @@
           <a:prstGeom prst="line">
             <a:avLst/>
           </a:prstGeom>
-          <a:ln>
+          <a:ln w="12700" cap="rnd">
             <a:solidFill>
               <a:schemeClr val="tx1"/>
             </a:solidFill>
